--- a/presentaciones/Presentacion_Semana3.pptx
+++ b/presentaciones/Presentacion_Semana3.pptx
@@ -14,8 +14,8 @@
     <p:sldId id="256" r:id="rId5"/>
     <p:sldId id="277" r:id="rId6"/>
     <p:sldId id="261" r:id="rId7"/>
-    <p:sldId id="264" r:id="rId8"/>
-    <p:sldId id="289" r:id="rId9"/>
+    <p:sldId id="289" r:id="rId8"/>
+    <p:sldId id="264" r:id="rId9"/>
     <p:sldId id="295" r:id="rId10"/>
     <p:sldId id="262" r:id="rId11"/>
     <p:sldId id="278" r:id="rId12"/>
@@ -250,7 +250,7 @@
             <a:pPr rtl="0"/>
             <a:fld id="{A449ECEF-3E94-4732-BFC3-464D975639BA}" type="datetime1">
               <a:rPr lang="es-ES" smtClean="0"/>
-              <a:t>21/07/2022</a:t>
+              <a:t>22/07/2022</a:t>
             </a:fld>
             <a:endParaRPr lang="es-ES"/>
           </a:p>
@@ -432,7 +432,7 @@
             <a:fld id="{28353551-E181-4730-A9E5-DB7143B35D46}" type="datetime1">
               <a:rPr lang="es-ES" smtClean="0"/>
               <a:pPr/>
-              <a:t>21/07/2022</a:t>
+              <a:t>22/07/2022</a:t>
             </a:fld>
             <a:endParaRPr lang="es-ES" dirty="0"/>
           </a:p>
@@ -1119,7 +1119,7 @@
     </p:spTree>
     <p:extLst>
       <p:ext uri="{BB962C8B-B14F-4D97-AF65-F5344CB8AC3E}">
-        <p14:creationId xmlns:p14="http://schemas.microsoft.com/office/powerpoint/2010/main" val="920735312"/>
+        <p14:creationId xmlns:p14="http://schemas.microsoft.com/office/powerpoint/2010/main" val="4168265586"/>
       </p:ext>
     </p:extLst>
   </p:cSld>
@@ -1204,7 +1204,7 @@
     </p:spTree>
     <p:extLst>
       <p:ext uri="{BB962C8B-B14F-4D97-AF65-F5344CB8AC3E}">
-        <p14:creationId xmlns:p14="http://schemas.microsoft.com/office/powerpoint/2010/main" val="4168265586"/>
+        <p14:creationId xmlns:p14="http://schemas.microsoft.com/office/powerpoint/2010/main" val="920735312"/>
       </p:ext>
     </p:extLst>
   </p:cSld>
@@ -21940,7 +21940,7 @@
           <p:cNvPr id="2" name="Título 1">
             <a:extLst>
               <a:ext uri="{FF2B5EF4-FFF2-40B4-BE49-F238E27FC236}">
-                <a16:creationId xmlns:a16="http://schemas.microsoft.com/office/drawing/2014/main" id="{537E1C88-627C-4655-A4FB-0BB02EDB078A}"/>
+                <a16:creationId xmlns:a16="http://schemas.microsoft.com/office/drawing/2014/main" id="{75031FE9-9059-4FE8-B4AC-9771F23A1B89}"/>
               </a:ext>
             </a:extLst>
           </p:cNvPr>
@@ -21953,8 +21953,8 @@
         </p:nvSpPr>
         <p:spPr>
           <a:xfrm>
-            <a:off x="336550" y="743690"/>
-            <a:ext cx="8045450" cy="1835202"/>
+            <a:off x="2560631" y="452232"/>
+            <a:ext cx="3985828" cy="1205118"/>
           </a:xfrm>
         </p:spPr>
         <p:txBody>
@@ -21966,17 +21966,17 @@
             <a:pPr rtl="0"/>
             <a:r>
               <a:rPr lang="es-ES" dirty="0"/>
-              <a:t>A PARTIR DE UN SISTEMA DE INSIGNIAS BUSCAMOS RECOMENDAR A LOS MEJORES VENDEDORES EN LAS PRINCIPALES CATEGORÍAS SEGÚN LA CALIFICACIÓN DE LOS CONSUMIDORES</a:t>
-            </a:r>
-          </a:p>
-        </p:txBody>
-      </p:sp>
-      <p:sp>
-        <p:nvSpPr>
-          <p:cNvPr id="6" name="Marcador de número de diapositiva 5">
-            <a:extLst>
-              <a:ext uri="{FF2B5EF4-FFF2-40B4-BE49-F238E27FC236}">
-                <a16:creationId xmlns:a16="http://schemas.microsoft.com/office/drawing/2014/main" id="{C23C3221-5F04-4CA7-A86A-EEA8566A1735}"/>
+              <a:t>Distribución regional de consumidores y vendedores</a:t>
+            </a:r>
+          </a:p>
+        </p:txBody>
+      </p:sp>
+      <p:sp>
+        <p:nvSpPr>
+          <p:cNvPr id="9" name="Marcador de texto 8">
+            <a:extLst>
+              <a:ext uri="{FF2B5EF4-FFF2-40B4-BE49-F238E27FC236}">
+                <a16:creationId xmlns:a16="http://schemas.microsoft.com/office/drawing/2014/main" id="{868F40F8-BF35-45E9-B3DD-5436362D746E}"/>
               </a:ext>
             </a:extLst>
           </p:cNvPr>
@@ -21984,13 +21984,46 @@
             <a:spLocks noGrp="1"/>
           </p:cNvSpPr>
           <p:nvPr>
-            <p:ph type="sldNum" sz="quarter" idx="12"/>
-          </p:nvPr>
-        </p:nvSpPr>
-        <p:spPr>
-          <a:xfrm>
-            <a:off x="8610600" y="6356350"/>
-            <a:ext cx="2743200" cy="365125"/>
+            <p:ph type="body" sz="quarter" idx="27"/>
+          </p:nvPr>
+        </p:nvSpPr>
+        <p:spPr>
+          <a:xfrm>
+            <a:off x="5294730" y="5991225"/>
+            <a:ext cx="5433204" cy="365125"/>
+          </a:xfrm>
+        </p:spPr>
+        <p:txBody>
+          <a:bodyPr rtlCol="0">
+            <a:normAutofit lnSpcReduction="10000"/>
+          </a:bodyPr>
+          <a:lstStyle/>
+          <a:p>
+            <a:pPr rtl="0"/>
+            <a:endParaRPr lang="es-ES" dirty="0"/>
+          </a:p>
+        </p:txBody>
+      </p:sp>
+      <p:sp>
+        <p:nvSpPr>
+          <p:cNvPr id="22" name="Marcador de número de diapositiva 21">
+            <a:extLst>
+              <a:ext uri="{FF2B5EF4-FFF2-40B4-BE49-F238E27FC236}">
+                <a16:creationId xmlns:a16="http://schemas.microsoft.com/office/drawing/2014/main" id="{5D1BD041-3428-4D62-934F-F3FF6D36F90F}"/>
+              </a:ext>
+            </a:extLst>
+          </p:cNvPr>
+          <p:cNvSpPr>
+            <a:spLocks noGrp="1"/>
+          </p:cNvSpPr>
+          <p:nvPr>
+            <p:ph type="sldNum" sz="quarter" idx="22"/>
+          </p:nvPr>
+        </p:nvSpPr>
+        <p:spPr>
+          <a:xfrm>
+            <a:off x="10700656" y="6356350"/>
+            <a:ext cx="653143" cy="365125"/>
           </a:xfrm>
         </p:spPr>
         <p:txBody>
@@ -22003,292 +22036,16 @@
               <a:pPr rtl="0"/>
               <a:t>4</a:t>
             </a:fld>
-            <a:endParaRPr lang="es-ES" dirty="0"/>
-          </a:p>
-        </p:txBody>
-      </p:sp>
-      <p:sp>
-        <p:nvSpPr>
-          <p:cNvPr id="8" name="Título 1">
-            <a:extLst>
-              <a:ext uri="{FF2B5EF4-FFF2-40B4-BE49-F238E27FC236}">
-                <a16:creationId xmlns:a16="http://schemas.microsoft.com/office/drawing/2014/main" id="{51E9CCB5-9ED0-8879-FC43-F8464CB51698}"/>
-              </a:ext>
-            </a:extLst>
-          </p:cNvPr>
-          <p:cNvSpPr txBox="1">
-            <a:spLocks/>
-          </p:cNvSpPr>
-          <p:nvPr/>
-        </p:nvSpPr>
-        <p:spPr>
-          <a:xfrm>
-            <a:off x="336550" y="-602456"/>
-            <a:ext cx="5111750" cy="1204912"/>
-          </a:xfrm>
-          <a:prstGeom prst="rect">
-            <a:avLst/>
-          </a:prstGeom>
-        </p:spPr>
-        <p:txBody>
-          <a:bodyPr vert="horz" lIns="91440" tIns="45720" rIns="91440" bIns="45720" rtlCol="0" anchor="b">
-            <a:normAutofit/>
-          </a:bodyPr>
-          <a:lstStyle>
-            <a:lvl1pPr algn="l" defTabSz="914400" rtl="0" eaLnBrk="1" latinLnBrk="0" hangingPunct="1">
-              <a:lnSpc>
-                <a:spcPct val="90000"/>
-              </a:lnSpc>
-              <a:spcBef>
-                <a:spcPct val="0"/>
-              </a:spcBef>
-              <a:buNone/>
-              <a:defRPr lang="en-US" sz="2800" kern="1200" cap="all" spc="150" baseline="0" dirty="0">
-                <a:solidFill>
-                  <a:schemeClr val="tx1">
-                    <a:lumMod val="75000"/>
-                    <a:lumOff val="25000"/>
-                  </a:schemeClr>
-                </a:solidFill>
-                <a:latin typeface="+mj-lt"/>
-                <a:ea typeface="+mj-ea"/>
-                <a:cs typeface="+mj-cs"/>
-              </a:defRPr>
-            </a:lvl1pPr>
-          </a:lstStyle>
-          <a:p>
-            <a:r>
-              <a:rPr lang="es-ES" dirty="0" err="1"/>
-              <a:t>Kpis</a:t>
-            </a:r>
-            <a:r>
-              <a:rPr lang="es-ES" dirty="0"/>
-              <a:t> Y MÉTRICAS</a:t>
-            </a:r>
-          </a:p>
-        </p:txBody>
-      </p:sp>
-      <p:sp>
-        <p:nvSpPr>
-          <p:cNvPr id="12" name="Marcador de contenido 2">
-            <a:extLst>
-              <a:ext uri="{FF2B5EF4-FFF2-40B4-BE49-F238E27FC236}">
-                <a16:creationId xmlns:a16="http://schemas.microsoft.com/office/drawing/2014/main" id="{C6438E9E-BB4F-5C85-CAC8-2EE64B92F321}"/>
-              </a:ext>
-            </a:extLst>
-          </p:cNvPr>
-          <p:cNvSpPr txBox="1">
-            <a:spLocks/>
-          </p:cNvSpPr>
-          <p:nvPr/>
-        </p:nvSpPr>
-        <p:spPr>
-          <a:xfrm>
-            <a:off x="6242050" y="2089836"/>
-            <a:ext cx="5111750" cy="2678328"/>
-          </a:xfrm>
-          <a:prstGeom prst="rect">
-            <a:avLst/>
-          </a:prstGeom>
-        </p:spPr>
-        <p:txBody>
-          <a:bodyPr vert="horz" lIns="91440" tIns="45720" rIns="91440" bIns="45720" rtlCol="0" anchor="t">
-            <a:normAutofit/>
-          </a:bodyPr>
-          <a:lstStyle>
-            <a:lvl1pPr marL="0" indent="0" algn="l" defTabSz="914400" rtl="0" eaLnBrk="1" latinLnBrk="0" hangingPunct="1">
-              <a:lnSpc>
-                <a:spcPct val="100000"/>
-              </a:lnSpc>
-              <a:spcBef>
-                <a:spcPts val="1000"/>
-              </a:spcBef>
-              <a:buFont typeface="Arial" panose="020B0604020202020204" pitchFamily="34" charset="0"/>
-              <a:buNone/>
-              <a:defRPr sz="1400" kern="1200" spc="50" baseline="0">
-                <a:solidFill>
-                  <a:schemeClr val="tx1">
-                    <a:lumMod val="75000"/>
-                    <a:lumOff val="25000"/>
-                  </a:schemeClr>
-                </a:solidFill>
-                <a:latin typeface="+mn-lt"/>
-                <a:ea typeface="+mn-ea"/>
-                <a:cs typeface="+mn-cs"/>
-              </a:defRPr>
-            </a:lvl1pPr>
-            <a:lvl2pPr marL="457200" indent="0" algn="l" defTabSz="914400" rtl="0" eaLnBrk="1" latinLnBrk="0" hangingPunct="1">
-              <a:lnSpc>
-                <a:spcPct val="90000"/>
-              </a:lnSpc>
-              <a:spcBef>
-                <a:spcPts val="500"/>
-              </a:spcBef>
-              <a:buFont typeface="Arial" panose="020B0604020202020204" pitchFamily="34" charset="0"/>
-              <a:buNone/>
-              <a:defRPr sz="2000" kern="1200">
-                <a:solidFill>
-                  <a:schemeClr val="tx1">
-                    <a:tint val="75000"/>
-                  </a:schemeClr>
-                </a:solidFill>
-                <a:latin typeface="+mn-lt"/>
-                <a:ea typeface="+mn-ea"/>
-                <a:cs typeface="+mn-cs"/>
-              </a:defRPr>
-            </a:lvl2pPr>
-            <a:lvl3pPr marL="914400" indent="0" algn="l" defTabSz="914400" rtl="0" eaLnBrk="1" latinLnBrk="0" hangingPunct="1">
-              <a:lnSpc>
-                <a:spcPct val="90000"/>
-              </a:lnSpc>
-              <a:spcBef>
-                <a:spcPts val="500"/>
-              </a:spcBef>
-              <a:buFont typeface="Arial" panose="020B0604020202020204" pitchFamily="34" charset="0"/>
-              <a:buNone/>
-              <a:defRPr sz="1800" kern="1200">
-                <a:solidFill>
-                  <a:schemeClr val="tx1">
-                    <a:tint val="75000"/>
-                  </a:schemeClr>
-                </a:solidFill>
-                <a:latin typeface="+mn-lt"/>
-                <a:ea typeface="+mn-ea"/>
-                <a:cs typeface="+mn-cs"/>
-              </a:defRPr>
-            </a:lvl3pPr>
-            <a:lvl4pPr marL="1371600" indent="0" algn="l" defTabSz="914400" rtl="0" eaLnBrk="1" latinLnBrk="0" hangingPunct="1">
-              <a:lnSpc>
-                <a:spcPct val="90000"/>
-              </a:lnSpc>
-              <a:spcBef>
-                <a:spcPts val="500"/>
-              </a:spcBef>
-              <a:buFont typeface="Arial" panose="020B0604020202020204" pitchFamily="34" charset="0"/>
-              <a:buNone/>
-              <a:defRPr sz="1600" kern="1200">
-                <a:solidFill>
-                  <a:schemeClr val="tx1">
-                    <a:tint val="75000"/>
-                  </a:schemeClr>
-                </a:solidFill>
-                <a:latin typeface="+mn-lt"/>
-                <a:ea typeface="+mn-ea"/>
-                <a:cs typeface="+mn-cs"/>
-              </a:defRPr>
-            </a:lvl4pPr>
-            <a:lvl5pPr marL="1828800" indent="0" algn="l" defTabSz="914400" rtl="0" eaLnBrk="1" latinLnBrk="0" hangingPunct="1">
-              <a:lnSpc>
-                <a:spcPct val="90000"/>
-              </a:lnSpc>
-              <a:spcBef>
-                <a:spcPts val="500"/>
-              </a:spcBef>
-              <a:buFont typeface="Arial" panose="020B0604020202020204" pitchFamily="34" charset="0"/>
-              <a:buNone/>
-              <a:defRPr sz="1600" kern="1200">
-                <a:solidFill>
-                  <a:schemeClr val="tx1">
-                    <a:tint val="75000"/>
-                  </a:schemeClr>
-                </a:solidFill>
-                <a:latin typeface="+mn-lt"/>
-                <a:ea typeface="+mn-ea"/>
-                <a:cs typeface="+mn-cs"/>
-              </a:defRPr>
-            </a:lvl5pPr>
-            <a:lvl6pPr marL="2286000" indent="0" algn="l" defTabSz="914400" rtl="0" eaLnBrk="1" latinLnBrk="0" hangingPunct="1">
-              <a:lnSpc>
-                <a:spcPct val="90000"/>
-              </a:lnSpc>
-              <a:spcBef>
-                <a:spcPts val="500"/>
-              </a:spcBef>
-              <a:buFont typeface="Arial" panose="020B0604020202020204" pitchFamily="34" charset="0"/>
-              <a:buNone/>
-              <a:defRPr sz="1600" kern="1200">
-                <a:solidFill>
-                  <a:schemeClr val="tx1">
-                    <a:tint val="75000"/>
-                  </a:schemeClr>
-                </a:solidFill>
-                <a:latin typeface="+mn-lt"/>
-                <a:ea typeface="+mn-ea"/>
-                <a:cs typeface="+mn-cs"/>
-              </a:defRPr>
-            </a:lvl6pPr>
-            <a:lvl7pPr marL="2743200" indent="0" algn="l" defTabSz="914400" rtl="0" eaLnBrk="1" latinLnBrk="0" hangingPunct="1">
-              <a:lnSpc>
-                <a:spcPct val="90000"/>
-              </a:lnSpc>
-              <a:spcBef>
-                <a:spcPts val="500"/>
-              </a:spcBef>
-              <a:buFont typeface="Arial" panose="020B0604020202020204" pitchFamily="34" charset="0"/>
-              <a:buNone/>
-              <a:defRPr sz="1600" kern="1200">
-                <a:solidFill>
-                  <a:schemeClr val="tx1">
-                    <a:tint val="75000"/>
-                  </a:schemeClr>
-                </a:solidFill>
-                <a:latin typeface="+mn-lt"/>
-                <a:ea typeface="+mn-ea"/>
-                <a:cs typeface="+mn-cs"/>
-              </a:defRPr>
-            </a:lvl7pPr>
-            <a:lvl8pPr marL="3200400" indent="0" algn="l" defTabSz="914400" rtl="0" eaLnBrk="1" latinLnBrk="0" hangingPunct="1">
-              <a:lnSpc>
-                <a:spcPct val="90000"/>
-              </a:lnSpc>
-              <a:spcBef>
-                <a:spcPts val="500"/>
-              </a:spcBef>
-              <a:buFont typeface="Arial" panose="020B0604020202020204" pitchFamily="34" charset="0"/>
-              <a:buNone/>
-              <a:defRPr sz="1600" kern="1200">
-                <a:solidFill>
-                  <a:schemeClr val="tx1">
-                    <a:tint val="75000"/>
-                  </a:schemeClr>
-                </a:solidFill>
-                <a:latin typeface="+mn-lt"/>
-                <a:ea typeface="+mn-ea"/>
-                <a:cs typeface="+mn-cs"/>
-              </a:defRPr>
-            </a:lvl8pPr>
-            <a:lvl9pPr marL="3657600" indent="0" algn="l" defTabSz="914400" rtl="0" eaLnBrk="1" latinLnBrk="0" hangingPunct="1">
-              <a:lnSpc>
-                <a:spcPct val="90000"/>
-              </a:lnSpc>
-              <a:spcBef>
-                <a:spcPts val="500"/>
-              </a:spcBef>
-              <a:buFont typeface="Arial" panose="020B0604020202020204" pitchFamily="34" charset="0"/>
-              <a:buNone/>
-              <a:defRPr sz="1600" kern="1200">
-                <a:solidFill>
-                  <a:schemeClr val="tx1">
-                    <a:tint val="75000"/>
-                  </a:schemeClr>
-                </a:solidFill>
-                <a:latin typeface="+mn-lt"/>
-                <a:ea typeface="+mn-ea"/>
-                <a:cs typeface="+mn-cs"/>
-              </a:defRPr>
-            </a:lvl9pPr>
-          </a:lstStyle>
-          <a:p>
-            <a:endParaRPr lang="es-ES" noProof="1"/>
+            <a:endParaRPr lang="es-ES"/>
           </a:p>
         </p:txBody>
       </p:sp>
       <p:pic>
         <p:nvPicPr>
-          <p:cNvPr id="5" name="Imagen 4">
-            <a:extLst>
-              <a:ext uri="{FF2B5EF4-FFF2-40B4-BE49-F238E27FC236}">
-                <a16:creationId xmlns:a16="http://schemas.microsoft.com/office/drawing/2014/main" id="{BAC75F1D-1CEC-120A-014A-B8CC0EBC4B18}"/>
+          <p:cNvPr id="6" name="Imagen 5">
+            <a:extLst>
+              <a:ext uri="{FF2B5EF4-FFF2-40B4-BE49-F238E27FC236}">
+                <a16:creationId xmlns:a16="http://schemas.microsoft.com/office/drawing/2014/main" id="{5B388C4B-437B-7F78-FA49-C3DDC50E9C23}"/>
               </a:ext>
             </a:extLst>
           </p:cNvPr>
@@ -22305,8 +22062,8 @@
         </p:blipFill>
         <p:spPr>
           <a:xfrm>
-            <a:off x="0" y="2489238"/>
-            <a:ext cx="12001500" cy="4257675"/>
+            <a:off x="554037" y="1691508"/>
+            <a:ext cx="4581525" cy="3752850"/>
           </a:xfrm>
           <a:prstGeom prst="rect">
             <a:avLst/>
@@ -22315,10 +22072,10 @@
       </p:pic>
       <p:pic>
         <p:nvPicPr>
-          <p:cNvPr id="9" name="Imagen 8">
-            <a:extLst>
-              <a:ext uri="{FF2B5EF4-FFF2-40B4-BE49-F238E27FC236}">
-                <a16:creationId xmlns:a16="http://schemas.microsoft.com/office/drawing/2014/main" id="{856FDAEF-7366-DE10-A7E2-812F0528A705}"/>
+          <p:cNvPr id="10" name="Imagen 9">
+            <a:extLst>
+              <a:ext uri="{FF2B5EF4-FFF2-40B4-BE49-F238E27FC236}">
+                <a16:creationId xmlns:a16="http://schemas.microsoft.com/office/drawing/2014/main" id="{04616EF8-E679-075F-AE14-F6F2E1B4DD58}"/>
               </a:ext>
             </a:extLst>
           </p:cNvPr>
@@ -22335,8 +22092,8 @@
         </p:blipFill>
         <p:spPr>
           <a:xfrm>
-            <a:off x="8372475" y="203054"/>
-            <a:ext cx="2781300" cy="2219325"/>
+            <a:off x="6546459" y="1888044"/>
+            <a:ext cx="4181475" cy="3676650"/>
           </a:xfrm>
           <a:prstGeom prst="rect">
             <a:avLst/>
@@ -22346,7 +22103,7 @@
     </p:spTree>
     <p:extLst>
       <p:ext uri="{BB962C8B-B14F-4D97-AF65-F5344CB8AC3E}">
-        <p14:creationId xmlns:p14="http://schemas.microsoft.com/office/powerpoint/2010/main" val="1346372204"/>
+        <p14:creationId xmlns:p14="http://schemas.microsoft.com/office/powerpoint/2010/main" val="1844941827"/>
       </p:ext>
     </p:extLst>
   </p:cSld>
@@ -22378,7 +22135,7 @@
           <p:cNvPr id="2" name="Título 1">
             <a:extLst>
               <a:ext uri="{FF2B5EF4-FFF2-40B4-BE49-F238E27FC236}">
-                <a16:creationId xmlns:a16="http://schemas.microsoft.com/office/drawing/2014/main" id="{75031FE9-9059-4FE8-B4AC-9771F23A1B89}"/>
+                <a16:creationId xmlns:a16="http://schemas.microsoft.com/office/drawing/2014/main" id="{537E1C88-627C-4655-A4FB-0BB02EDB078A}"/>
               </a:ext>
             </a:extLst>
           </p:cNvPr>
@@ -22391,8 +22148,8 @@
         </p:nvSpPr>
         <p:spPr>
           <a:xfrm>
-            <a:off x="2560631" y="452232"/>
-            <a:ext cx="3985828" cy="1205118"/>
+            <a:off x="336550" y="743690"/>
+            <a:ext cx="8045450" cy="1835202"/>
           </a:xfrm>
         </p:spPr>
         <p:txBody>
@@ -22404,17 +22161,17 @@
             <a:pPr rtl="0"/>
             <a:r>
               <a:rPr lang="es-ES" dirty="0"/>
-              <a:t>Distribución regional de consumidores y vendedores</a:t>
-            </a:r>
-          </a:p>
-        </p:txBody>
-      </p:sp>
-      <p:sp>
-        <p:nvSpPr>
-          <p:cNvPr id="9" name="Marcador de texto 8">
-            <a:extLst>
-              <a:ext uri="{FF2B5EF4-FFF2-40B4-BE49-F238E27FC236}">
-                <a16:creationId xmlns:a16="http://schemas.microsoft.com/office/drawing/2014/main" id="{868F40F8-BF35-45E9-B3DD-5436362D746E}"/>
+              <a:t>A PARTIR DE UN SISTEMA DE INSIGNIAS BUSCAMOS RECOMENDAR A LOS MEJORES VENDEDORES EN LAS PRINCIPALES CATEGORÍAS SEGÚN LA CALIFICACIÓN DE LOS CONSUMIDORES</a:t>
+            </a:r>
+          </a:p>
+        </p:txBody>
+      </p:sp>
+      <p:sp>
+        <p:nvSpPr>
+          <p:cNvPr id="6" name="Marcador de número de diapositiva 5">
+            <a:extLst>
+              <a:ext uri="{FF2B5EF4-FFF2-40B4-BE49-F238E27FC236}">
+                <a16:creationId xmlns:a16="http://schemas.microsoft.com/office/drawing/2014/main" id="{C23C3221-5F04-4CA7-A86A-EEA8566A1735}"/>
               </a:ext>
             </a:extLst>
           </p:cNvPr>
@@ -22422,46 +22179,13 @@
             <a:spLocks noGrp="1"/>
           </p:cNvSpPr>
           <p:nvPr>
-            <p:ph type="body" sz="quarter" idx="27"/>
-          </p:nvPr>
-        </p:nvSpPr>
-        <p:spPr>
-          <a:xfrm>
-            <a:off x="5920595" y="5382132"/>
-            <a:ext cx="5433204" cy="365125"/>
-          </a:xfrm>
-        </p:spPr>
-        <p:txBody>
-          <a:bodyPr rtlCol="0">
-            <a:normAutofit lnSpcReduction="10000"/>
-          </a:bodyPr>
-          <a:lstStyle/>
-          <a:p>
-            <a:pPr rtl="0"/>
-            <a:endParaRPr lang="es-ES" dirty="0"/>
-          </a:p>
-        </p:txBody>
-      </p:sp>
-      <p:sp>
-        <p:nvSpPr>
-          <p:cNvPr id="22" name="Marcador de número de diapositiva 21">
-            <a:extLst>
-              <a:ext uri="{FF2B5EF4-FFF2-40B4-BE49-F238E27FC236}">
-                <a16:creationId xmlns:a16="http://schemas.microsoft.com/office/drawing/2014/main" id="{5D1BD041-3428-4D62-934F-F3FF6D36F90F}"/>
-              </a:ext>
-            </a:extLst>
-          </p:cNvPr>
-          <p:cNvSpPr>
-            <a:spLocks noGrp="1"/>
-          </p:cNvSpPr>
-          <p:nvPr>
-            <p:ph type="sldNum" sz="quarter" idx="22"/>
-          </p:nvPr>
-        </p:nvSpPr>
-        <p:spPr>
-          <a:xfrm>
-            <a:off x="10700656" y="6356350"/>
-            <a:ext cx="653143" cy="365125"/>
+            <p:ph type="sldNum" sz="quarter" idx="12"/>
+          </p:nvPr>
+        </p:nvSpPr>
+        <p:spPr>
+          <a:xfrm>
+            <a:off x="8610600" y="6356350"/>
+            <a:ext cx="2743200" cy="365125"/>
           </a:xfrm>
         </p:spPr>
         <p:txBody>
@@ -22474,16 +22198,292 @@
               <a:pPr rtl="0"/>
               <a:t>5</a:t>
             </a:fld>
-            <a:endParaRPr lang="es-ES"/>
+            <a:endParaRPr lang="es-ES" dirty="0"/>
+          </a:p>
+        </p:txBody>
+      </p:sp>
+      <p:sp>
+        <p:nvSpPr>
+          <p:cNvPr id="8" name="Título 1">
+            <a:extLst>
+              <a:ext uri="{FF2B5EF4-FFF2-40B4-BE49-F238E27FC236}">
+                <a16:creationId xmlns:a16="http://schemas.microsoft.com/office/drawing/2014/main" id="{51E9CCB5-9ED0-8879-FC43-F8464CB51698}"/>
+              </a:ext>
+            </a:extLst>
+          </p:cNvPr>
+          <p:cNvSpPr txBox="1">
+            <a:spLocks/>
+          </p:cNvSpPr>
+          <p:nvPr/>
+        </p:nvSpPr>
+        <p:spPr>
+          <a:xfrm>
+            <a:off x="336550" y="-602456"/>
+            <a:ext cx="5111750" cy="1204912"/>
+          </a:xfrm>
+          <a:prstGeom prst="rect">
+            <a:avLst/>
+          </a:prstGeom>
+        </p:spPr>
+        <p:txBody>
+          <a:bodyPr vert="horz" lIns="91440" tIns="45720" rIns="91440" bIns="45720" rtlCol="0" anchor="b">
+            <a:normAutofit/>
+          </a:bodyPr>
+          <a:lstStyle>
+            <a:lvl1pPr algn="l" defTabSz="914400" rtl="0" eaLnBrk="1" latinLnBrk="0" hangingPunct="1">
+              <a:lnSpc>
+                <a:spcPct val="90000"/>
+              </a:lnSpc>
+              <a:spcBef>
+                <a:spcPct val="0"/>
+              </a:spcBef>
+              <a:buNone/>
+              <a:defRPr lang="en-US" sz="2800" kern="1200" cap="all" spc="150" baseline="0" dirty="0">
+                <a:solidFill>
+                  <a:schemeClr val="tx1">
+                    <a:lumMod val="75000"/>
+                    <a:lumOff val="25000"/>
+                  </a:schemeClr>
+                </a:solidFill>
+                <a:latin typeface="+mj-lt"/>
+                <a:ea typeface="+mj-ea"/>
+                <a:cs typeface="+mj-cs"/>
+              </a:defRPr>
+            </a:lvl1pPr>
+          </a:lstStyle>
+          <a:p>
+            <a:r>
+              <a:rPr lang="es-ES" dirty="0" err="1"/>
+              <a:t>Kpis</a:t>
+            </a:r>
+            <a:r>
+              <a:rPr lang="es-ES" dirty="0"/>
+              <a:t> Y MÉTRICAS</a:t>
+            </a:r>
+          </a:p>
+        </p:txBody>
+      </p:sp>
+      <p:sp>
+        <p:nvSpPr>
+          <p:cNvPr id="12" name="Marcador de contenido 2">
+            <a:extLst>
+              <a:ext uri="{FF2B5EF4-FFF2-40B4-BE49-F238E27FC236}">
+                <a16:creationId xmlns:a16="http://schemas.microsoft.com/office/drawing/2014/main" id="{C6438E9E-BB4F-5C85-CAC8-2EE64B92F321}"/>
+              </a:ext>
+            </a:extLst>
+          </p:cNvPr>
+          <p:cNvSpPr txBox="1">
+            <a:spLocks/>
+          </p:cNvSpPr>
+          <p:nvPr/>
+        </p:nvSpPr>
+        <p:spPr>
+          <a:xfrm>
+            <a:off x="6242050" y="2089836"/>
+            <a:ext cx="5111750" cy="2678328"/>
+          </a:xfrm>
+          <a:prstGeom prst="rect">
+            <a:avLst/>
+          </a:prstGeom>
+        </p:spPr>
+        <p:txBody>
+          <a:bodyPr vert="horz" lIns="91440" tIns="45720" rIns="91440" bIns="45720" rtlCol="0" anchor="t">
+            <a:normAutofit/>
+          </a:bodyPr>
+          <a:lstStyle>
+            <a:lvl1pPr marL="0" indent="0" algn="l" defTabSz="914400" rtl="0" eaLnBrk="1" latinLnBrk="0" hangingPunct="1">
+              <a:lnSpc>
+                <a:spcPct val="100000"/>
+              </a:lnSpc>
+              <a:spcBef>
+                <a:spcPts val="1000"/>
+              </a:spcBef>
+              <a:buFont typeface="Arial" panose="020B0604020202020204" pitchFamily="34" charset="0"/>
+              <a:buNone/>
+              <a:defRPr sz="1400" kern="1200" spc="50" baseline="0">
+                <a:solidFill>
+                  <a:schemeClr val="tx1">
+                    <a:lumMod val="75000"/>
+                    <a:lumOff val="25000"/>
+                  </a:schemeClr>
+                </a:solidFill>
+                <a:latin typeface="+mn-lt"/>
+                <a:ea typeface="+mn-ea"/>
+                <a:cs typeface="+mn-cs"/>
+              </a:defRPr>
+            </a:lvl1pPr>
+            <a:lvl2pPr marL="457200" indent="0" algn="l" defTabSz="914400" rtl="0" eaLnBrk="1" latinLnBrk="0" hangingPunct="1">
+              <a:lnSpc>
+                <a:spcPct val="90000"/>
+              </a:lnSpc>
+              <a:spcBef>
+                <a:spcPts val="500"/>
+              </a:spcBef>
+              <a:buFont typeface="Arial" panose="020B0604020202020204" pitchFamily="34" charset="0"/>
+              <a:buNone/>
+              <a:defRPr sz="2000" kern="1200">
+                <a:solidFill>
+                  <a:schemeClr val="tx1">
+                    <a:tint val="75000"/>
+                  </a:schemeClr>
+                </a:solidFill>
+                <a:latin typeface="+mn-lt"/>
+                <a:ea typeface="+mn-ea"/>
+                <a:cs typeface="+mn-cs"/>
+              </a:defRPr>
+            </a:lvl2pPr>
+            <a:lvl3pPr marL="914400" indent="0" algn="l" defTabSz="914400" rtl="0" eaLnBrk="1" latinLnBrk="0" hangingPunct="1">
+              <a:lnSpc>
+                <a:spcPct val="90000"/>
+              </a:lnSpc>
+              <a:spcBef>
+                <a:spcPts val="500"/>
+              </a:spcBef>
+              <a:buFont typeface="Arial" panose="020B0604020202020204" pitchFamily="34" charset="0"/>
+              <a:buNone/>
+              <a:defRPr sz="1800" kern="1200">
+                <a:solidFill>
+                  <a:schemeClr val="tx1">
+                    <a:tint val="75000"/>
+                  </a:schemeClr>
+                </a:solidFill>
+                <a:latin typeface="+mn-lt"/>
+                <a:ea typeface="+mn-ea"/>
+                <a:cs typeface="+mn-cs"/>
+              </a:defRPr>
+            </a:lvl3pPr>
+            <a:lvl4pPr marL="1371600" indent="0" algn="l" defTabSz="914400" rtl="0" eaLnBrk="1" latinLnBrk="0" hangingPunct="1">
+              <a:lnSpc>
+                <a:spcPct val="90000"/>
+              </a:lnSpc>
+              <a:spcBef>
+                <a:spcPts val="500"/>
+              </a:spcBef>
+              <a:buFont typeface="Arial" panose="020B0604020202020204" pitchFamily="34" charset="0"/>
+              <a:buNone/>
+              <a:defRPr sz="1600" kern="1200">
+                <a:solidFill>
+                  <a:schemeClr val="tx1">
+                    <a:tint val="75000"/>
+                  </a:schemeClr>
+                </a:solidFill>
+                <a:latin typeface="+mn-lt"/>
+                <a:ea typeface="+mn-ea"/>
+                <a:cs typeface="+mn-cs"/>
+              </a:defRPr>
+            </a:lvl4pPr>
+            <a:lvl5pPr marL="1828800" indent="0" algn="l" defTabSz="914400" rtl="0" eaLnBrk="1" latinLnBrk="0" hangingPunct="1">
+              <a:lnSpc>
+                <a:spcPct val="90000"/>
+              </a:lnSpc>
+              <a:spcBef>
+                <a:spcPts val="500"/>
+              </a:spcBef>
+              <a:buFont typeface="Arial" panose="020B0604020202020204" pitchFamily="34" charset="0"/>
+              <a:buNone/>
+              <a:defRPr sz="1600" kern="1200">
+                <a:solidFill>
+                  <a:schemeClr val="tx1">
+                    <a:tint val="75000"/>
+                  </a:schemeClr>
+                </a:solidFill>
+                <a:latin typeface="+mn-lt"/>
+                <a:ea typeface="+mn-ea"/>
+                <a:cs typeface="+mn-cs"/>
+              </a:defRPr>
+            </a:lvl5pPr>
+            <a:lvl6pPr marL="2286000" indent="0" algn="l" defTabSz="914400" rtl="0" eaLnBrk="1" latinLnBrk="0" hangingPunct="1">
+              <a:lnSpc>
+                <a:spcPct val="90000"/>
+              </a:lnSpc>
+              <a:spcBef>
+                <a:spcPts val="500"/>
+              </a:spcBef>
+              <a:buFont typeface="Arial" panose="020B0604020202020204" pitchFamily="34" charset="0"/>
+              <a:buNone/>
+              <a:defRPr sz="1600" kern="1200">
+                <a:solidFill>
+                  <a:schemeClr val="tx1">
+                    <a:tint val="75000"/>
+                  </a:schemeClr>
+                </a:solidFill>
+                <a:latin typeface="+mn-lt"/>
+                <a:ea typeface="+mn-ea"/>
+                <a:cs typeface="+mn-cs"/>
+              </a:defRPr>
+            </a:lvl6pPr>
+            <a:lvl7pPr marL="2743200" indent="0" algn="l" defTabSz="914400" rtl="0" eaLnBrk="1" latinLnBrk="0" hangingPunct="1">
+              <a:lnSpc>
+                <a:spcPct val="90000"/>
+              </a:lnSpc>
+              <a:spcBef>
+                <a:spcPts val="500"/>
+              </a:spcBef>
+              <a:buFont typeface="Arial" panose="020B0604020202020204" pitchFamily="34" charset="0"/>
+              <a:buNone/>
+              <a:defRPr sz="1600" kern="1200">
+                <a:solidFill>
+                  <a:schemeClr val="tx1">
+                    <a:tint val="75000"/>
+                  </a:schemeClr>
+                </a:solidFill>
+                <a:latin typeface="+mn-lt"/>
+                <a:ea typeface="+mn-ea"/>
+                <a:cs typeface="+mn-cs"/>
+              </a:defRPr>
+            </a:lvl7pPr>
+            <a:lvl8pPr marL="3200400" indent="0" algn="l" defTabSz="914400" rtl="0" eaLnBrk="1" latinLnBrk="0" hangingPunct="1">
+              <a:lnSpc>
+                <a:spcPct val="90000"/>
+              </a:lnSpc>
+              <a:spcBef>
+                <a:spcPts val="500"/>
+              </a:spcBef>
+              <a:buFont typeface="Arial" panose="020B0604020202020204" pitchFamily="34" charset="0"/>
+              <a:buNone/>
+              <a:defRPr sz="1600" kern="1200">
+                <a:solidFill>
+                  <a:schemeClr val="tx1">
+                    <a:tint val="75000"/>
+                  </a:schemeClr>
+                </a:solidFill>
+                <a:latin typeface="+mn-lt"/>
+                <a:ea typeface="+mn-ea"/>
+                <a:cs typeface="+mn-cs"/>
+              </a:defRPr>
+            </a:lvl8pPr>
+            <a:lvl9pPr marL="3657600" indent="0" algn="l" defTabSz="914400" rtl="0" eaLnBrk="1" latinLnBrk="0" hangingPunct="1">
+              <a:lnSpc>
+                <a:spcPct val="90000"/>
+              </a:lnSpc>
+              <a:spcBef>
+                <a:spcPts val="500"/>
+              </a:spcBef>
+              <a:buFont typeface="Arial" panose="020B0604020202020204" pitchFamily="34" charset="0"/>
+              <a:buNone/>
+              <a:defRPr sz="1600" kern="1200">
+                <a:solidFill>
+                  <a:schemeClr val="tx1">
+                    <a:tint val="75000"/>
+                  </a:schemeClr>
+                </a:solidFill>
+                <a:latin typeface="+mn-lt"/>
+                <a:ea typeface="+mn-ea"/>
+                <a:cs typeface="+mn-cs"/>
+              </a:defRPr>
+            </a:lvl9pPr>
+          </a:lstStyle>
+          <a:p>
+            <a:endParaRPr lang="es-ES" noProof="1"/>
           </a:p>
         </p:txBody>
       </p:sp>
       <p:pic>
         <p:nvPicPr>
-          <p:cNvPr id="6" name="Imagen 5">
-            <a:extLst>
-              <a:ext uri="{FF2B5EF4-FFF2-40B4-BE49-F238E27FC236}">
-                <a16:creationId xmlns:a16="http://schemas.microsoft.com/office/drawing/2014/main" id="{5B388C4B-437B-7F78-FA49-C3DDC50E9C23}"/>
+          <p:cNvPr id="5" name="Imagen 4">
+            <a:extLst>
+              <a:ext uri="{FF2B5EF4-FFF2-40B4-BE49-F238E27FC236}">
+                <a16:creationId xmlns:a16="http://schemas.microsoft.com/office/drawing/2014/main" id="{BAC75F1D-1CEC-120A-014A-B8CC0EBC4B18}"/>
               </a:ext>
             </a:extLst>
           </p:cNvPr>
@@ -22500,8 +22500,8 @@
         </p:blipFill>
         <p:spPr>
           <a:xfrm>
-            <a:off x="554037" y="1691508"/>
-            <a:ext cx="4581525" cy="3752850"/>
+            <a:off x="0" y="2489238"/>
+            <a:ext cx="12001500" cy="4257675"/>
           </a:xfrm>
           <a:prstGeom prst="rect">
             <a:avLst/>
@@ -22510,10 +22510,10 @@
       </p:pic>
       <p:pic>
         <p:nvPicPr>
-          <p:cNvPr id="10" name="Imagen 9">
-            <a:extLst>
-              <a:ext uri="{FF2B5EF4-FFF2-40B4-BE49-F238E27FC236}">
-                <a16:creationId xmlns:a16="http://schemas.microsoft.com/office/drawing/2014/main" id="{04616EF8-E679-075F-AE14-F6F2E1B4DD58}"/>
+          <p:cNvPr id="9" name="Imagen 8">
+            <a:extLst>
+              <a:ext uri="{FF2B5EF4-FFF2-40B4-BE49-F238E27FC236}">
+                <a16:creationId xmlns:a16="http://schemas.microsoft.com/office/drawing/2014/main" id="{856FDAEF-7366-DE10-A7E2-812F0528A705}"/>
               </a:ext>
             </a:extLst>
           </p:cNvPr>
@@ -22530,8 +22530,8 @@
         </p:blipFill>
         <p:spPr>
           <a:xfrm>
-            <a:off x="6546459" y="1888044"/>
-            <a:ext cx="4181475" cy="3676650"/>
+            <a:off x="8372475" y="203054"/>
+            <a:ext cx="2781300" cy="2219325"/>
           </a:xfrm>
           <a:prstGeom prst="rect">
             <a:avLst/>
@@ -22541,7 +22541,7 @@
     </p:spTree>
     <p:extLst>
       <p:ext uri="{BB962C8B-B14F-4D97-AF65-F5344CB8AC3E}">
-        <p14:creationId xmlns:p14="http://schemas.microsoft.com/office/powerpoint/2010/main" val="1844941827"/>
+        <p14:creationId xmlns:p14="http://schemas.microsoft.com/office/powerpoint/2010/main" val="1346372204"/>
       </p:ext>
     </p:extLst>
   </p:cSld>
@@ -22586,7 +22586,7 @@
         </p:nvSpPr>
         <p:spPr>
           <a:xfrm>
-            <a:off x="6477000" y="136525"/>
+            <a:off x="7426325" y="136525"/>
             <a:ext cx="5111750" cy="1204912"/>
           </a:xfrm>
         </p:spPr>
@@ -22684,7 +22684,7 @@
         </p:nvSpPr>
         <p:spPr>
           <a:xfrm>
-            <a:off x="803274" y="950118"/>
+            <a:off x="447674" y="912018"/>
             <a:ext cx="6753225" cy="1551781"/>
           </a:xfrm>
           <a:prstGeom prst="rect">
@@ -22720,7 +22720,7 @@
           <a:p>
             <a:r>
               <a:rPr lang="es-ES" sz="1800" dirty="0"/>
-              <a:t>A través de estudiar las calificaciones promedio por categoría en cada región, apuntamos a distinguir cuales no se encuentran satisfechas sugiriendo que existe un mercado disputable</a:t>
+              <a:t>	A través de estudiar las calificaciones promedio por categoría en cada región, apuntamos a distinguir cuales no se encuentran satisfechas sugiriendo que existe un mercado disputable</a:t>
             </a:r>
           </a:p>
         </p:txBody>
@@ -22773,7 +22773,7 @@
         </p:nvSpPr>
         <p:spPr>
           <a:xfrm>
-            <a:off x="1233047" y="197897"/>
+            <a:off x="1578582" y="147226"/>
             <a:ext cx="8421688" cy="1325563"/>
           </a:xfrm>
         </p:spPr>
@@ -22843,7 +22843,7 @@
         </p:nvSpPr>
         <p:spPr>
           <a:xfrm>
-            <a:off x="1233962" y="4914847"/>
+            <a:off x="524719" y="2238428"/>
             <a:ext cx="4031030" cy="1057308"/>
           </a:xfrm>
           <a:ln>
@@ -22853,8 +22853,83 @@
           </a:ln>
         </p:spPr>
         <p:txBody>
-          <a:bodyPr rtlCol="0"/>
+          <a:bodyPr rtlCol="0">
+            <a:normAutofit fontScale="25000" lnSpcReduction="20000"/>
+          </a:bodyPr>
           <a:lstStyle/>
+          <a:p>
+            <a:pPr rtl="0"/>
+            <a:r>
+              <a:rPr lang="es-ES" sz="5500" dirty="0">
+                <a:latin typeface="+mj-lt"/>
+              </a:rPr>
+              <a:t>Y = Costo de envío</a:t>
+            </a:r>
+          </a:p>
+          <a:p>
+            <a:pPr rtl="0"/>
+            <a:r>
+              <a:rPr lang="es-ES" sz="5500" dirty="0">
+                <a:latin typeface="+mj-lt"/>
+              </a:rPr>
+              <a:t>X</a:t>
+            </a:r>
+            <a:r>
+              <a:rPr lang="es-AR" sz="5500" dirty="0">
+                <a:effectLst/>
+                <a:latin typeface="+mj-lt"/>
+                <a:ea typeface="Times New Roman" panose="02020603050405020304" pitchFamily="18" charset="0"/>
+                <a:cs typeface="Cambria Math" panose="02040503050406030204" pitchFamily="18" charset="0"/>
+              </a:rPr>
+              <a:t> ₁ = Volumen del producto (cm</a:t>
+            </a:r>
+            <a:r>
+              <a:rPr lang="es-AR" sz="5500" dirty="0">
+                <a:effectLst/>
+                <a:latin typeface="+mj-lt"/>
+                <a:ea typeface="Times New Roman" panose="02020603050405020304" pitchFamily="18" charset="0"/>
+              </a:rPr>
+              <a:t>³)</a:t>
+            </a:r>
+          </a:p>
+          <a:p>
+            <a:pPr rtl="0"/>
+            <a:r>
+              <a:rPr lang="es-AR" sz="5500" dirty="0">
+                <a:effectLst/>
+                <a:latin typeface="+mj-lt"/>
+                <a:ea typeface="Times New Roman" panose="02020603050405020304" pitchFamily="18" charset="0"/>
+              </a:rPr>
+              <a:t>X</a:t>
+            </a:r>
+            <a:r>
+              <a:rPr lang="es-AR" sz="5500" dirty="0">
+                <a:effectLst/>
+                <a:latin typeface="+mj-lt"/>
+                <a:ea typeface="Times New Roman" panose="02020603050405020304" pitchFamily="18" charset="0"/>
+                <a:cs typeface="Cambria Math" panose="02040503050406030204" pitchFamily="18" charset="0"/>
+              </a:rPr>
+              <a:t>₂ = Peso del producto (g)</a:t>
+            </a:r>
+            <a:endParaRPr lang="es-AR" sz="5500" dirty="0">
+              <a:latin typeface="+mj-lt"/>
+              <a:ea typeface="Times New Roman" panose="02020603050405020304" pitchFamily="18" charset="0"/>
+              <a:cs typeface="Cambria Math" panose="02040503050406030204" pitchFamily="18" charset="0"/>
+            </a:endParaRPr>
+          </a:p>
+          <a:p>
+            <a:pPr rtl="0"/>
+            <a:r>
+              <a:rPr lang="es-AR" sz="5500" i="0" dirty="0">
+                <a:solidFill>
+                  <a:srgbClr val="202122"/>
+                </a:solidFill>
+                <a:effectLst/>
+                <a:latin typeface="+mj-lt"/>
+              </a:rPr>
+              <a:t>U = perturbación estocástica</a:t>
+            </a:r>
+          </a:p>
           <a:p>
             <a:pPr rtl="0"/>
             <a:endParaRPr lang="es-ES" dirty="0"/>
@@ -22915,8 +22990,8 @@
         </p:nvSpPr>
         <p:spPr>
           <a:xfrm>
-            <a:off x="6328500" y="4601425"/>
-            <a:ext cx="5338781" cy="1187170"/>
+            <a:off x="6075225" y="4726686"/>
+            <a:ext cx="5693961" cy="1496015"/>
           </a:xfrm>
         </p:spPr>
         <p:txBody>
@@ -22925,7 +23000,10 @@
           </a:bodyPr>
           <a:lstStyle/>
           <a:p>
-            <a:endParaRPr lang="es-ES" dirty="0"/>
+            <a:r>
+              <a:rPr lang="es-ES" sz="1800" dirty="0"/>
+              <a:t>En proceso: A partir de una evaluación de los vendedores por región, pretendemos agregarle al modelo la variable “distancia entre comprador y vendedor” con tal de aumentar la precisión del modelo</a:t>
+            </a:r>
           </a:p>
         </p:txBody>
       </p:sp>
@@ -23580,8 +23658,8 @@
         </p:nvSpPr>
         <p:spPr>
           <a:xfrm>
-            <a:off x="272847" y="2022768"/>
-            <a:ext cx="5372099" cy="1886425"/>
+            <a:off x="1056" y="1553420"/>
+            <a:ext cx="5598350" cy="892143"/>
           </a:xfrm>
         </p:spPr>
         <p:txBody>
@@ -23590,11 +23668,118 @@
           </a:bodyPr>
           <a:lstStyle/>
           <a:p>
-            <a:pPr rtl="0"/>
-            <a:r>
-              <a:rPr lang="es-ES" dirty="0"/>
-              <a:t>PONER EL GRÁFICO DE INGRESOS POR ESTADO Y LAS ECUACIONES DE LAS REGRESIONES</a:t>
-            </a:r>
+            <a:r>
+              <a:rPr lang="es-AR" sz="1800" dirty="0">
+                <a:effectLst/>
+                <a:latin typeface="Arial" panose="020B0604020202020204" pitchFamily="34" charset="0"/>
+                <a:ea typeface="Times New Roman" panose="02020603050405020304" pitchFamily="18" charset="0"/>
+              </a:rPr>
+              <a:t>Y ⱼ =β</a:t>
+            </a:r>
+            <a:r>
+              <a:rPr lang="es-AR" sz="1800" dirty="0">
+                <a:effectLst/>
+                <a:latin typeface="Cambria Math" panose="02040503050406030204" pitchFamily="18" charset="0"/>
+                <a:ea typeface="Times New Roman" panose="02020603050405020304" pitchFamily="18" charset="0"/>
+                <a:cs typeface="Cambria Math" panose="02040503050406030204" pitchFamily="18" charset="0"/>
+              </a:rPr>
+              <a:t>₀</a:t>
+            </a:r>
+            <a:r>
+              <a:rPr lang="es-AR" sz="1800" dirty="0">
+                <a:effectLst/>
+                <a:latin typeface="Arial" panose="020B0604020202020204" pitchFamily="34" charset="0"/>
+                <a:ea typeface="Times New Roman" panose="02020603050405020304" pitchFamily="18" charset="0"/>
+              </a:rPr>
+              <a:t>+β</a:t>
+            </a:r>
+            <a:r>
+              <a:rPr lang="es-AR" sz="1800" dirty="0">
+                <a:effectLst/>
+                <a:latin typeface="Cambria Math" panose="02040503050406030204" pitchFamily="18" charset="0"/>
+                <a:ea typeface="Times New Roman" panose="02020603050405020304" pitchFamily="18" charset="0"/>
+                <a:cs typeface="Cambria Math" panose="02040503050406030204" pitchFamily="18" charset="0"/>
+              </a:rPr>
+              <a:t>₁</a:t>
+            </a:r>
+            <a:r>
+              <a:rPr lang="es-AR" sz="1800" dirty="0">
+                <a:effectLst/>
+                <a:latin typeface="Arial" panose="020B0604020202020204" pitchFamily="34" charset="0"/>
+                <a:ea typeface="Times New Roman" panose="02020603050405020304" pitchFamily="18" charset="0"/>
+              </a:rPr>
+              <a:t> (X</a:t>
+            </a:r>
+            <a:r>
+              <a:rPr lang="es-AR" sz="1800" dirty="0">
+                <a:effectLst/>
+                <a:latin typeface="Cambria Math" panose="02040503050406030204" pitchFamily="18" charset="0"/>
+                <a:ea typeface="Times New Roman" panose="02020603050405020304" pitchFamily="18" charset="0"/>
+                <a:cs typeface="Cambria Math" panose="02040503050406030204" pitchFamily="18" charset="0"/>
+              </a:rPr>
+              <a:t>₁</a:t>
+            </a:r>
+            <a:r>
+              <a:rPr lang="es-AR" sz="1800" dirty="0">
+                <a:effectLst/>
+                <a:latin typeface="Arial" panose="020B0604020202020204" pitchFamily="34" charset="0"/>
+                <a:ea typeface="Times New Roman" panose="02020603050405020304" pitchFamily="18" charset="0"/>
+              </a:rPr>
+              <a:t> ⱼ)+ β</a:t>
+            </a:r>
+            <a:r>
+              <a:rPr lang="es-AR" sz="1800" dirty="0">
+                <a:effectLst/>
+                <a:latin typeface="Cambria Math" panose="02040503050406030204" pitchFamily="18" charset="0"/>
+                <a:ea typeface="Times New Roman" panose="02020603050405020304" pitchFamily="18" charset="0"/>
+                <a:cs typeface="Cambria Math" panose="02040503050406030204" pitchFamily="18" charset="0"/>
+              </a:rPr>
+              <a:t>₂</a:t>
+            </a:r>
+            <a:r>
+              <a:rPr lang="es-AR" sz="1800" dirty="0">
+                <a:effectLst/>
+                <a:latin typeface="Arial" panose="020B0604020202020204" pitchFamily="34" charset="0"/>
+                <a:ea typeface="Times New Roman" panose="02020603050405020304" pitchFamily="18" charset="0"/>
+              </a:rPr>
+              <a:t> (X</a:t>
+            </a:r>
+            <a:r>
+              <a:rPr lang="es-AR" sz="1800" dirty="0">
+                <a:effectLst/>
+                <a:latin typeface="Cambria Math" panose="02040503050406030204" pitchFamily="18" charset="0"/>
+                <a:ea typeface="Times New Roman" panose="02020603050405020304" pitchFamily="18" charset="0"/>
+                <a:cs typeface="Cambria Math" panose="02040503050406030204" pitchFamily="18" charset="0"/>
+              </a:rPr>
+              <a:t>₂</a:t>
+            </a:r>
+            <a:r>
+              <a:rPr lang="es-AR" sz="1800" dirty="0">
+                <a:effectLst/>
+                <a:latin typeface="Arial" panose="020B0604020202020204" pitchFamily="34" charset="0"/>
+                <a:ea typeface="Times New Roman" panose="02020603050405020304" pitchFamily="18" charset="0"/>
+              </a:rPr>
+              <a:t> ⱼ)  + u ⱼ</a:t>
+            </a:r>
+            <a:br>
+              <a:rPr lang="es-AR" sz="1800" dirty="0">
+                <a:effectLst/>
+                <a:latin typeface="Arial" panose="020B0604020202020204" pitchFamily="34" charset="0"/>
+                <a:ea typeface="Times New Roman" panose="02020603050405020304" pitchFamily="18" charset="0"/>
+              </a:rPr>
+            </a:br>
+            <a:br>
+              <a:rPr lang="es-AR" sz="1800" dirty="0">
+                <a:effectLst/>
+                <a:latin typeface="Arial" panose="020B0604020202020204" pitchFamily="34" charset="0"/>
+                <a:ea typeface="Times New Roman" panose="02020603050405020304" pitchFamily="18" charset="0"/>
+              </a:rPr>
+            </a:br>
+            <a:endParaRPr lang="es-AR" sz="1800" dirty="0">
+              <a:effectLst/>
+              <a:latin typeface="Arial" panose="020B0604020202020204" pitchFamily="34" charset="0"/>
+              <a:ea typeface="Times New Roman" panose="02020603050405020304" pitchFamily="18" charset="0"/>
+            </a:endParaRPr>
           </a:p>
         </p:txBody>
       </p:sp>
@@ -24020,6 +24205,83 @@
           </a:p>
         </p:txBody>
       </p:sp>
+      <p:pic>
+        <p:nvPicPr>
+          <p:cNvPr id="5" name="Imagen 4">
+            <a:extLst>
+              <a:ext uri="{FF2B5EF4-FFF2-40B4-BE49-F238E27FC236}">
+                <a16:creationId xmlns:a16="http://schemas.microsoft.com/office/drawing/2014/main" id="{8A199CD9-65E0-F632-8263-4B395BC9AC15}"/>
+              </a:ext>
+            </a:extLst>
+          </p:cNvPr>
+          <p:cNvPicPr>
+            <a:picLocks noChangeAspect="1"/>
+          </p:cNvPicPr>
+          <p:nvPr/>
+        </p:nvPicPr>
+        <p:blipFill>
+          <a:blip r:embed="rId3"/>
+          <a:stretch>
+            <a:fillRect/>
+          </a:stretch>
+        </p:blipFill>
+        <p:spPr>
+          <a:xfrm>
+            <a:off x="6286500" y="1674580"/>
+            <a:ext cx="5905500" cy="2752812"/>
+          </a:xfrm>
+          <a:prstGeom prst="rect">
+            <a:avLst/>
+          </a:prstGeom>
+        </p:spPr>
+      </p:pic>
+      <p:pic>
+        <p:nvPicPr>
+          <p:cNvPr id="1026" name="Picture 2">
+            <a:extLst>
+              <a:ext uri="{FF2B5EF4-FFF2-40B4-BE49-F238E27FC236}">
+                <a16:creationId xmlns:a16="http://schemas.microsoft.com/office/drawing/2014/main" id="{83F2C0ED-7470-81EE-A855-CF4302C4E530}"/>
+              </a:ext>
+            </a:extLst>
+          </p:cNvPr>
+          <p:cNvPicPr>
+            <a:picLocks noChangeAspect="1" noChangeArrowheads="1"/>
+          </p:cNvPicPr>
+          <p:nvPr/>
+        </p:nvPicPr>
+        <p:blipFill>
+          <a:blip r:embed="rId4">
+            <a:extLst>
+              <a:ext uri="{28A0092B-C50C-407E-A947-70E740481C1C}">
+                <a14:useLocalDpi xmlns:a14="http://schemas.microsoft.com/office/drawing/2010/main" val="0"/>
+              </a:ext>
+            </a:extLst>
+          </a:blip>
+          <a:srcRect/>
+          <a:stretch>
+            <a:fillRect/>
+          </a:stretch>
+        </p:blipFill>
+        <p:spPr bwMode="auto">
+          <a:xfrm>
+            <a:off x="106902" y="3693781"/>
+            <a:ext cx="4031030" cy="3305573"/>
+          </a:xfrm>
+          <a:prstGeom prst="rect">
+            <a:avLst/>
+          </a:prstGeom>
+          <a:noFill/>
+          <a:extLst>
+            <a:ext uri="{909E8E84-426E-40DD-AFC4-6F175D3DCCD1}">
+              <a14:hiddenFill xmlns:a14="http://schemas.microsoft.com/office/drawing/2010/main">
+                <a:solidFill>
+                  <a:srgbClr val="FFFFFF"/>
+                </a:solidFill>
+              </a14:hiddenFill>
+            </a:ext>
+          </a:extLst>
+        </p:spPr>
+      </p:pic>
     </p:spTree>
     <p:extLst>
       <p:ext uri="{BB962C8B-B14F-4D97-AF65-F5344CB8AC3E}">
@@ -24117,7 +24379,7 @@
             <a:pPr rtl="0"/>
             <a:r>
               <a:rPr lang="es-ES" sz="1800" noProof="1"/>
-              <a:t>Elaboramos regresiones lineales para las zonas de mayor relevancia con el objetivo de crear una herramienta a disposición de los usuarios que ayude a aproximar cual será el costo de envío de acuerdo a las dimensiones y el peso del artículo que desean comprar</a:t>
+              <a:t>Elaboramos regresiones lineales para cada estado con el objetivo de crear una herramienta a disposición de los usuarios que ayude a aproximar cual será el costo de envío de acuerdo a las dimensiones y el peso del artículo que desean comprar</a:t>
             </a:r>
           </a:p>
           <a:p>
@@ -24187,8 +24449,38 @@
         </p:blipFill>
         <p:spPr>
           <a:xfrm>
-            <a:off x="1627187" y="3126669"/>
-            <a:ext cx="7743825" cy="3505200"/>
+            <a:off x="1627187" y="3126668"/>
+            <a:ext cx="8495918" cy="3845631"/>
+          </a:xfrm>
+          <a:prstGeom prst="rect">
+            <a:avLst/>
+          </a:prstGeom>
+        </p:spPr>
+      </p:pic>
+      <p:pic>
+        <p:nvPicPr>
+          <p:cNvPr id="6" name="Imagen 5">
+            <a:extLst>
+              <a:ext uri="{FF2B5EF4-FFF2-40B4-BE49-F238E27FC236}">
+                <a16:creationId xmlns:a16="http://schemas.microsoft.com/office/drawing/2014/main" id="{045AFA9D-4776-5F47-5F22-BB2DAC321E6B}"/>
+              </a:ext>
+            </a:extLst>
+          </p:cNvPr>
+          <p:cNvPicPr>
+            <a:picLocks noChangeAspect="1"/>
+          </p:cNvPicPr>
+          <p:nvPr/>
+        </p:nvPicPr>
+        <p:blipFill>
+          <a:blip r:embed="rId4"/>
+          <a:stretch>
+            <a:fillRect/>
+          </a:stretch>
+        </p:blipFill>
+        <p:spPr>
+          <a:xfrm>
+            <a:off x="8844390" y="3902086"/>
+            <a:ext cx="2844059" cy="2454264"/>
           </a:xfrm>
           <a:prstGeom prst="rect">
             <a:avLst/>
@@ -24241,8 +24533,8 @@
         </p:nvSpPr>
         <p:spPr>
           <a:xfrm>
-            <a:off x="2608448" y="947695"/>
-            <a:ext cx="6763079" cy="365125"/>
+            <a:off x="1028700" y="706395"/>
+            <a:ext cx="7355032" cy="969508"/>
           </a:xfrm>
           <a:prstGeom prst="rect">
             <a:avLst/>
@@ -24433,7 +24725,7 @@
           </a:lstStyle>
           <a:p>
             <a:r>
-              <a:rPr lang="es-ES" sz="2400" b="1" dirty="0"/>
+              <a:rPr lang="es-ES" sz="2800" b="1" dirty="0"/>
               <a:t>MODELO DE ML PROPUESTO</a:t>
             </a:r>
           </a:p>
@@ -24666,8 +24958,8 @@
         </p:nvSpPr>
         <p:spPr>
           <a:xfrm>
-            <a:off x="461031" y="3563490"/>
-            <a:ext cx="4031030" cy="1057308"/>
+            <a:off x="1156404" y="2600180"/>
+            <a:ext cx="8698795" cy="3292619"/>
           </a:xfrm>
           <a:prstGeom prst="rect">
             <a:avLst/>
@@ -25838,6 +26130,494 @@
           </a:p>
         </p:txBody>
       </p:sp>
+      <p:sp>
+        <p:nvSpPr>
+          <p:cNvPr id="12" name="Marcador de contenido 2">
+            <a:extLst>
+              <a:ext uri="{FF2B5EF4-FFF2-40B4-BE49-F238E27FC236}">
+                <a16:creationId xmlns:a16="http://schemas.microsoft.com/office/drawing/2014/main" id="{6F12143A-64C6-6322-C784-C3073FE17F22}"/>
+              </a:ext>
+            </a:extLst>
+          </p:cNvPr>
+          <p:cNvSpPr txBox="1">
+            <a:spLocks/>
+          </p:cNvSpPr>
+          <p:nvPr/>
+        </p:nvSpPr>
+        <p:spPr>
+          <a:xfrm>
+            <a:off x="1232855" y="1841500"/>
+            <a:ext cx="9988983" cy="4051299"/>
+          </a:xfrm>
+          <a:prstGeom prst="rect">
+            <a:avLst/>
+          </a:prstGeom>
+        </p:spPr>
+        <p:txBody>
+          <a:bodyPr vert="horz" lIns="91440" tIns="45720" rIns="91440" bIns="45720" rtlCol="0" anchor="t">
+            <a:noAutofit/>
+          </a:bodyPr>
+          <a:lstStyle>
+            <a:lvl1pPr marL="0" indent="0" algn="ctr" defTabSz="914400" rtl="0" eaLnBrk="1" latinLnBrk="0" hangingPunct="1">
+              <a:lnSpc>
+                <a:spcPct val="90000"/>
+              </a:lnSpc>
+              <a:spcBef>
+                <a:spcPts val="1000"/>
+              </a:spcBef>
+              <a:buFont typeface="Arial" panose="020B0604020202020204" pitchFamily="34" charset="0"/>
+              <a:buNone/>
+              <a:defRPr lang="en-US" sz="2000" kern="1200" spc="150" baseline="0" dirty="0">
+                <a:solidFill>
+                  <a:schemeClr val="tx1">
+                    <a:lumMod val="75000"/>
+                    <a:lumOff val="25000"/>
+                  </a:schemeClr>
+                </a:solidFill>
+                <a:latin typeface="+mj-lt"/>
+                <a:ea typeface="+mj-ea"/>
+                <a:cs typeface="+mj-cs"/>
+              </a:defRPr>
+            </a:lvl1pPr>
+            <a:lvl2pPr marL="685800" indent="-228600" algn="l" defTabSz="914400" rtl="0" eaLnBrk="1" latinLnBrk="0" hangingPunct="1">
+              <a:lnSpc>
+                <a:spcPct val="90000"/>
+              </a:lnSpc>
+              <a:spcBef>
+                <a:spcPts val="500"/>
+              </a:spcBef>
+              <a:buFont typeface="Arial" panose="020B0604020202020204" pitchFamily="34" charset="0"/>
+              <a:buChar char="•"/>
+              <a:defRPr sz="2400" kern="1200">
+                <a:solidFill>
+                  <a:schemeClr val="tx1">
+                    <a:lumMod val="75000"/>
+                    <a:lumOff val="25000"/>
+                  </a:schemeClr>
+                </a:solidFill>
+                <a:latin typeface="+mn-lt"/>
+                <a:ea typeface="+mn-ea"/>
+                <a:cs typeface="+mn-cs"/>
+              </a:defRPr>
+            </a:lvl2pPr>
+            <a:lvl3pPr marL="1143000" indent="-228600" algn="l" defTabSz="914400" rtl="0" eaLnBrk="1" latinLnBrk="0" hangingPunct="1">
+              <a:lnSpc>
+                <a:spcPct val="90000"/>
+              </a:lnSpc>
+              <a:spcBef>
+                <a:spcPts val="500"/>
+              </a:spcBef>
+              <a:buFont typeface="Arial" panose="020B0604020202020204" pitchFamily="34" charset="0"/>
+              <a:buChar char="•"/>
+              <a:defRPr sz="2000" kern="1200">
+                <a:solidFill>
+                  <a:schemeClr val="tx1">
+                    <a:lumMod val="75000"/>
+                    <a:lumOff val="25000"/>
+                  </a:schemeClr>
+                </a:solidFill>
+                <a:latin typeface="+mn-lt"/>
+                <a:ea typeface="+mn-ea"/>
+                <a:cs typeface="+mn-cs"/>
+              </a:defRPr>
+            </a:lvl3pPr>
+            <a:lvl4pPr marL="1600200" indent="-228600" algn="l" defTabSz="914400" rtl="0" eaLnBrk="1" latinLnBrk="0" hangingPunct="1">
+              <a:lnSpc>
+                <a:spcPct val="90000"/>
+              </a:lnSpc>
+              <a:spcBef>
+                <a:spcPts val="500"/>
+              </a:spcBef>
+              <a:buFont typeface="Arial" panose="020B0604020202020204" pitchFamily="34" charset="0"/>
+              <a:buChar char="•"/>
+              <a:defRPr sz="1800" kern="1200">
+                <a:solidFill>
+                  <a:schemeClr val="tx1">
+                    <a:lumMod val="75000"/>
+                    <a:lumOff val="25000"/>
+                  </a:schemeClr>
+                </a:solidFill>
+                <a:latin typeface="+mn-lt"/>
+                <a:ea typeface="+mn-ea"/>
+                <a:cs typeface="+mn-cs"/>
+              </a:defRPr>
+            </a:lvl4pPr>
+            <a:lvl5pPr marL="2057400" indent="-228600" algn="l" defTabSz="914400" rtl="0" eaLnBrk="1" latinLnBrk="0" hangingPunct="1">
+              <a:lnSpc>
+                <a:spcPct val="90000"/>
+              </a:lnSpc>
+              <a:spcBef>
+                <a:spcPts val="500"/>
+              </a:spcBef>
+              <a:buFont typeface="Arial" panose="020B0604020202020204" pitchFamily="34" charset="0"/>
+              <a:buChar char="•"/>
+              <a:defRPr sz="1800" kern="1200">
+                <a:solidFill>
+                  <a:schemeClr val="tx1">
+                    <a:lumMod val="75000"/>
+                    <a:lumOff val="25000"/>
+                  </a:schemeClr>
+                </a:solidFill>
+                <a:latin typeface="+mn-lt"/>
+                <a:ea typeface="+mn-ea"/>
+                <a:cs typeface="+mn-cs"/>
+              </a:defRPr>
+            </a:lvl5pPr>
+            <a:lvl6pPr marL="2514600" indent="-228600" algn="l" defTabSz="914400" rtl="0" eaLnBrk="1" latinLnBrk="0" hangingPunct="1">
+              <a:lnSpc>
+                <a:spcPct val="90000"/>
+              </a:lnSpc>
+              <a:spcBef>
+                <a:spcPts val="500"/>
+              </a:spcBef>
+              <a:buFont typeface="Arial" panose="020B0604020202020204" pitchFamily="34" charset="0"/>
+              <a:buChar char="•"/>
+              <a:defRPr sz="1800" kern="1200">
+                <a:solidFill>
+                  <a:schemeClr val="tx1"/>
+                </a:solidFill>
+                <a:latin typeface="+mn-lt"/>
+                <a:ea typeface="+mn-ea"/>
+                <a:cs typeface="+mn-cs"/>
+              </a:defRPr>
+            </a:lvl6pPr>
+            <a:lvl7pPr marL="2971800" indent="-228600" algn="l" defTabSz="914400" rtl="0" eaLnBrk="1" latinLnBrk="0" hangingPunct="1">
+              <a:lnSpc>
+                <a:spcPct val="90000"/>
+              </a:lnSpc>
+              <a:spcBef>
+                <a:spcPts val="500"/>
+              </a:spcBef>
+              <a:buFont typeface="Arial" panose="020B0604020202020204" pitchFamily="34" charset="0"/>
+              <a:buChar char="•"/>
+              <a:defRPr sz="1800" kern="1200">
+                <a:solidFill>
+                  <a:schemeClr val="tx1"/>
+                </a:solidFill>
+                <a:latin typeface="+mn-lt"/>
+                <a:ea typeface="+mn-ea"/>
+                <a:cs typeface="+mn-cs"/>
+              </a:defRPr>
+            </a:lvl7pPr>
+            <a:lvl8pPr marL="3429000" indent="-228600" algn="l" defTabSz="914400" rtl="0" eaLnBrk="1" latinLnBrk="0" hangingPunct="1">
+              <a:lnSpc>
+                <a:spcPct val="90000"/>
+              </a:lnSpc>
+              <a:spcBef>
+                <a:spcPts val="500"/>
+              </a:spcBef>
+              <a:buFont typeface="Arial" panose="020B0604020202020204" pitchFamily="34" charset="0"/>
+              <a:buChar char="•"/>
+              <a:defRPr sz="1800" kern="1200">
+                <a:solidFill>
+                  <a:schemeClr val="tx1"/>
+                </a:solidFill>
+                <a:latin typeface="+mn-lt"/>
+                <a:ea typeface="+mn-ea"/>
+                <a:cs typeface="+mn-cs"/>
+              </a:defRPr>
+            </a:lvl8pPr>
+            <a:lvl9pPr marL="3886200" indent="-228600" algn="l" defTabSz="914400" rtl="0" eaLnBrk="1" latinLnBrk="0" hangingPunct="1">
+              <a:lnSpc>
+                <a:spcPct val="90000"/>
+              </a:lnSpc>
+              <a:spcBef>
+                <a:spcPts val="500"/>
+              </a:spcBef>
+              <a:buFont typeface="Arial" panose="020B0604020202020204" pitchFamily="34" charset="0"/>
+              <a:buChar char="•"/>
+              <a:defRPr sz="1800" kern="1200">
+                <a:solidFill>
+                  <a:schemeClr val="tx1"/>
+                </a:solidFill>
+                <a:latin typeface="+mn-lt"/>
+                <a:ea typeface="+mn-ea"/>
+                <a:cs typeface="+mn-cs"/>
+              </a:defRPr>
+            </a:lvl9pPr>
+          </a:lstStyle>
+          <a:p>
+            <a:endParaRPr lang="es-ES" sz="2400" b="1" dirty="0"/>
+          </a:p>
+        </p:txBody>
+      </p:sp>
+      <p:sp>
+        <p:nvSpPr>
+          <p:cNvPr id="13" name="Marcador de contenido 2">
+            <a:extLst>
+              <a:ext uri="{FF2B5EF4-FFF2-40B4-BE49-F238E27FC236}">
+                <a16:creationId xmlns:a16="http://schemas.microsoft.com/office/drawing/2014/main" id="{EB5A92B1-846D-91F6-6F23-F41030F0AD9B}"/>
+              </a:ext>
+            </a:extLst>
+          </p:cNvPr>
+          <p:cNvSpPr txBox="1">
+            <a:spLocks/>
+          </p:cNvSpPr>
+          <p:nvPr/>
+        </p:nvSpPr>
+        <p:spPr>
+          <a:xfrm>
+            <a:off x="2655651" y="2018329"/>
+            <a:ext cx="8634241" cy="3873500"/>
+          </a:xfrm>
+          <a:prstGeom prst="rect">
+            <a:avLst/>
+          </a:prstGeom>
+        </p:spPr>
+        <p:txBody>
+          <a:bodyPr vert="horz" lIns="91440" tIns="45720" rIns="91440" bIns="45720" rtlCol="0" anchor="t">
+            <a:noAutofit/>
+          </a:bodyPr>
+          <a:lstStyle>
+            <a:lvl1pPr marL="0" indent="0" algn="ctr" defTabSz="914400" rtl="0" eaLnBrk="1" latinLnBrk="0" hangingPunct="1">
+              <a:lnSpc>
+                <a:spcPct val="90000"/>
+              </a:lnSpc>
+              <a:spcBef>
+                <a:spcPts val="1000"/>
+              </a:spcBef>
+              <a:buFont typeface="Arial" panose="020B0604020202020204" pitchFamily="34" charset="0"/>
+              <a:buNone/>
+              <a:defRPr lang="en-US" sz="2000" kern="1200" spc="150" baseline="0" dirty="0">
+                <a:solidFill>
+                  <a:schemeClr val="tx1">
+                    <a:lumMod val="75000"/>
+                    <a:lumOff val="25000"/>
+                  </a:schemeClr>
+                </a:solidFill>
+                <a:latin typeface="+mj-lt"/>
+                <a:ea typeface="+mj-ea"/>
+                <a:cs typeface="+mj-cs"/>
+              </a:defRPr>
+            </a:lvl1pPr>
+            <a:lvl2pPr marL="685800" indent="-228600" algn="l" defTabSz="914400" rtl="0" eaLnBrk="1" latinLnBrk="0" hangingPunct="1">
+              <a:lnSpc>
+                <a:spcPct val="90000"/>
+              </a:lnSpc>
+              <a:spcBef>
+                <a:spcPts val="500"/>
+              </a:spcBef>
+              <a:buFont typeface="Arial" panose="020B0604020202020204" pitchFamily="34" charset="0"/>
+              <a:buChar char="•"/>
+              <a:defRPr sz="2400" kern="1200">
+                <a:solidFill>
+                  <a:schemeClr val="tx1">
+                    <a:lumMod val="75000"/>
+                    <a:lumOff val="25000"/>
+                  </a:schemeClr>
+                </a:solidFill>
+                <a:latin typeface="+mn-lt"/>
+                <a:ea typeface="+mn-ea"/>
+                <a:cs typeface="+mn-cs"/>
+              </a:defRPr>
+            </a:lvl2pPr>
+            <a:lvl3pPr marL="1143000" indent="-228600" algn="l" defTabSz="914400" rtl="0" eaLnBrk="1" latinLnBrk="0" hangingPunct="1">
+              <a:lnSpc>
+                <a:spcPct val="90000"/>
+              </a:lnSpc>
+              <a:spcBef>
+                <a:spcPts val="500"/>
+              </a:spcBef>
+              <a:buFont typeface="Arial" panose="020B0604020202020204" pitchFamily="34" charset="0"/>
+              <a:buChar char="•"/>
+              <a:defRPr sz="2000" kern="1200">
+                <a:solidFill>
+                  <a:schemeClr val="tx1">
+                    <a:lumMod val="75000"/>
+                    <a:lumOff val="25000"/>
+                  </a:schemeClr>
+                </a:solidFill>
+                <a:latin typeface="+mn-lt"/>
+                <a:ea typeface="+mn-ea"/>
+                <a:cs typeface="+mn-cs"/>
+              </a:defRPr>
+            </a:lvl3pPr>
+            <a:lvl4pPr marL="1600200" indent="-228600" algn="l" defTabSz="914400" rtl="0" eaLnBrk="1" latinLnBrk="0" hangingPunct="1">
+              <a:lnSpc>
+                <a:spcPct val="90000"/>
+              </a:lnSpc>
+              <a:spcBef>
+                <a:spcPts val="500"/>
+              </a:spcBef>
+              <a:buFont typeface="Arial" panose="020B0604020202020204" pitchFamily="34" charset="0"/>
+              <a:buChar char="•"/>
+              <a:defRPr sz="1800" kern="1200">
+                <a:solidFill>
+                  <a:schemeClr val="tx1">
+                    <a:lumMod val="75000"/>
+                    <a:lumOff val="25000"/>
+                  </a:schemeClr>
+                </a:solidFill>
+                <a:latin typeface="+mn-lt"/>
+                <a:ea typeface="+mn-ea"/>
+                <a:cs typeface="+mn-cs"/>
+              </a:defRPr>
+            </a:lvl4pPr>
+            <a:lvl5pPr marL="2057400" indent="-228600" algn="l" defTabSz="914400" rtl="0" eaLnBrk="1" latinLnBrk="0" hangingPunct="1">
+              <a:lnSpc>
+                <a:spcPct val="90000"/>
+              </a:lnSpc>
+              <a:spcBef>
+                <a:spcPts val="500"/>
+              </a:spcBef>
+              <a:buFont typeface="Arial" panose="020B0604020202020204" pitchFamily="34" charset="0"/>
+              <a:buChar char="•"/>
+              <a:defRPr sz="1800" kern="1200">
+                <a:solidFill>
+                  <a:schemeClr val="tx1">
+                    <a:lumMod val="75000"/>
+                    <a:lumOff val="25000"/>
+                  </a:schemeClr>
+                </a:solidFill>
+                <a:latin typeface="+mn-lt"/>
+                <a:ea typeface="+mn-ea"/>
+                <a:cs typeface="+mn-cs"/>
+              </a:defRPr>
+            </a:lvl5pPr>
+            <a:lvl6pPr marL="2514600" indent="-228600" algn="l" defTabSz="914400" rtl="0" eaLnBrk="1" latinLnBrk="0" hangingPunct="1">
+              <a:lnSpc>
+                <a:spcPct val="90000"/>
+              </a:lnSpc>
+              <a:spcBef>
+                <a:spcPts val="500"/>
+              </a:spcBef>
+              <a:buFont typeface="Arial" panose="020B0604020202020204" pitchFamily="34" charset="0"/>
+              <a:buChar char="•"/>
+              <a:defRPr sz="1800" kern="1200">
+                <a:solidFill>
+                  <a:schemeClr val="tx1"/>
+                </a:solidFill>
+                <a:latin typeface="+mn-lt"/>
+                <a:ea typeface="+mn-ea"/>
+                <a:cs typeface="+mn-cs"/>
+              </a:defRPr>
+            </a:lvl6pPr>
+            <a:lvl7pPr marL="2971800" indent="-228600" algn="l" defTabSz="914400" rtl="0" eaLnBrk="1" latinLnBrk="0" hangingPunct="1">
+              <a:lnSpc>
+                <a:spcPct val="90000"/>
+              </a:lnSpc>
+              <a:spcBef>
+                <a:spcPts val="500"/>
+              </a:spcBef>
+              <a:buFont typeface="Arial" panose="020B0604020202020204" pitchFamily="34" charset="0"/>
+              <a:buChar char="•"/>
+              <a:defRPr sz="1800" kern="1200">
+                <a:solidFill>
+                  <a:schemeClr val="tx1"/>
+                </a:solidFill>
+                <a:latin typeface="+mn-lt"/>
+                <a:ea typeface="+mn-ea"/>
+                <a:cs typeface="+mn-cs"/>
+              </a:defRPr>
+            </a:lvl7pPr>
+            <a:lvl8pPr marL="3429000" indent="-228600" algn="l" defTabSz="914400" rtl="0" eaLnBrk="1" latinLnBrk="0" hangingPunct="1">
+              <a:lnSpc>
+                <a:spcPct val="90000"/>
+              </a:lnSpc>
+              <a:spcBef>
+                <a:spcPts val="500"/>
+              </a:spcBef>
+              <a:buFont typeface="Arial" panose="020B0604020202020204" pitchFamily="34" charset="0"/>
+              <a:buChar char="•"/>
+              <a:defRPr sz="1800" kern="1200">
+                <a:solidFill>
+                  <a:schemeClr val="tx1"/>
+                </a:solidFill>
+                <a:latin typeface="+mn-lt"/>
+                <a:ea typeface="+mn-ea"/>
+                <a:cs typeface="+mn-cs"/>
+              </a:defRPr>
+            </a:lvl8pPr>
+            <a:lvl9pPr marL="3886200" indent="-228600" algn="l" defTabSz="914400" rtl="0" eaLnBrk="1" latinLnBrk="0" hangingPunct="1">
+              <a:lnSpc>
+                <a:spcPct val="90000"/>
+              </a:lnSpc>
+              <a:spcBef>
+                <a:spcPts val="500"/>
+              </a:spcBef>
+              <a:buFont typeface="Arial" panose="020B0604020202020204" pitchFamily="34" charset="0"/>
+              <a:buChar char="•"/>
+              <a:defRPr sz="1800" kern="1200">
+                <a:solidFill>
+                  <a:schemeClr val="tx1"/>
+                </a:solidFill>
+                <a:latin typeface="+mn-lt"/>
+                <a:ea typeface="+mn-ea"/>
+                <a:cs typeface="+mn-cs"/>
+              </a:defRPr>
+            </a:lvl9pPr>
+          </a:lstStyle>
+          <a:p>
+            <a:r>
+              <a:rPr lang="es-ES" sz="2400" b="1" dirty="0"/>
+              <a:t>A partir del análisis de texto (</a:t>
+            </a:r>
+            <a:r>
+              <a:rPr lang="es-ES" sz="2400" b="1" dirty="0" err="1"/>
+              <a:t>text</a:t>
+            </a:r>
+            <a:r>
+              <a:rPr lang="es-ES" sz="2400" b="1" dirty="0"/>
+              <a:t> </a:t>
+            </a:r>
+            <a:r>
+              <a:rPr lang="es-ES" sz="2400" b="1" dirty="0" err="1"/>
+              <a:t>minning</a:t>
+            </a:r>
+            <a:r>
+              <a:rPr lang="es-ES" sz="2400" b="1" dirty="0"/>
+              <a:t>) estamos desarrollando un mecanismo capaz de detectar los motivos principales por los cuales ciertas operaciones reciben valoraciones de los usuarios negativas, como por ej. problemas en el envío, en la calidad del producto o en el pago.</a:t>
+            </a:r>
+          </a:p>
+        </p:txBody>
+      </p:sp>
+      <p:pic>
+        <p:nvPicPr>
+          <p:cNvPr id="2050" name="Picture 2">
+            <a:extLst>
+              <a:ext uri="{FF2B5EF4-FFF2-40B4-BE49-F238E27FC236}">
+                <a16:creationId xmlns:a16="http://schemas.microsoft.com/office/drawing/2014/main" id="{CB84344D-5845-AA6C-649E-6ACF3D3DEFBB}"/>
+              </a:ext>
+            </a:extLst>
+          </p:cNvPr>
+          <p:cNvPicPr>
+            <a:picLocks noChangeAspect="1" noChangeArrowheads="1"/>
+          </p:cNvPicPr>
+          <p:nvPr/>
+        </p:nvPicPr>
+        <p:blipFill>
+          <a:blip r:embed="rId2">
+            <a:extLst>
+              <a:ext uri="{28A0092B-C50C-407E-A947-70E740481C1C}">
+                <a14:useLocalDpi xmlns:a14="http://schemas.microsoft.com/office/drawing/2010/main" val="0"/>
+              </a:ext>
+            </a:extLst>
+          </a:blip>
+          <a:srcRect/>
+          <a:stretch>
+            <a:fillRect/>
+          </a:stretch>
+        </p:blipFill>
+        <p:spPr bwMode="auto">
+          <a:xfrm>
+            <a:off x="0" y="4197257"/>
+            <a:ext cx="4402604" cy="2618849"/>
+          </a:xfrm>
+          <a:prstGeom prst="rect">
+            <a:avLst/>
+          </a:prstGeom>
+          <a:noFill/>
+          <a:extLst>
+            <a:ext uri="{909E8E84-426E-40DD-AFC4-6F175D3DCCD1}">
+              <a14:hiddenFill xmlns:a14="http://schemas.microsoft.com/office/drawing/2010/main">
+                <a:solidFill>
+                  <a:srgbClr val="FFFFFF"/>
+                </a:solidFill>
+              </a14:hiddenFill>
+            </a:ext>
+          </a:extLst>
+        </p:spPr>
+      </p:pic>
     </p:spTree>
     <p:extLst>
       <p:ext uri="{BB962C8B-B14F-4D97-AF65-F5344CB8AC3E}">
@@ -26643,6 +27423,15 @@
 </file>
 
 <file path=customXml/item1.xml><?xml version="1.0" encoding="utf-8"?>
+<?mso-contentType ?>
+<FormTemplates xmlns="http://schemas.microsoft.com/sharepoint/v3/contenttype/forms">
+  <Display>DocumentLibraryForm</Display>
+  <Edit>DocumentLibraryForm</Edit>
+  <New>DocumentLibraryForm</New>
+</FormTemplates>
+</file>
+
+<file path=customXml/item2.xml><?xml version="1.0" encoding="utf-8"?>
 <ct:contentTypeSchema xmlns:ct="http://schemas.microsoft.com/office/2006/metadata/contentType" xmlns:ma="http://schemas.microsoft.com/office/2006/metadata/properties/metaAttributes" ct:_="" ma:_="" ma:contentTypeName="Document" ma:contentTypeID="0x01010079F111ED35F8CC479449609E8A0923A6" ma:contentTypeVersion="20" ma:contentTypeDescription="Create a new document." ma:contentTypeScope="" ma:versionID="1267097ee5f5874adfcc408041ae252e">
   <xsd:schema xmlns:xsd="http://www.w3.org/2001/XMLSchema" xmlns:xs="http://www.w3.org/2001/XMLSchema" xmlns:p="http://schemas.microsoft.com/office/2006/metadata/properties" xmlns:ns1="http://schemas.microsoft.com/sharepoint/v3" xmlns:ns2="71af3243-3dd4-4a8d-8c0d-dd76da1f02a5" xmlns:ns3="16c05727-aa75-4e4a-9b5f-8a80a1165891" xmlns:ns4="230e9df3-be65-4c73-a93b-d1236ebd677e" targetNamespace="http://schemas.microsoft.com/office/2006/metadata/properties" ma:root="true" ma:fieldsID="395891a93df65b14727750f2c06c306c" ns1:_="" ns2:_="" ns3:_="" ns4:_="">
     <xsd:import namespace="http://schemas.microsoft.com/sharepoint/v3"/>
@@ -26918,15 +27707,6 @@
 </ct:contentTypeSchema>
 </file>
 
-<file path=customXml/item2.xml><?xml version="1.0" encoding="utf-8"?>
-<?mso-contentType ?>
-<FormTemplates xmlns="http://schemas.microsoft.com/sharepoint/v3/contenttype/forms">
-  <Display>DocumentLibraryForm</Display>
-  <Edit>DocumentLibraryForm</Edit>
-  <New>DocumentLibraryForm</New>
-</FormTemplates>
-</file>
-
 <file path=customXml/item3.xml><?xml version="1.0" encoding="utf-8"?>
 <p:properties xmlns:p="http://schemas.microsoft.com/office/2006/metadata/properties" xmlns:xsi="http://www.w3.org/2001/XMLSchema-instance" xmlns:pc="http://schemas.microsoft.com/office/infopath/2007/PartnerControls">
   <documentManagement>
@@ -26947,6 +27727,14 @@
 </file>
 
 <file path=customXml/itemProps1.xml><?xml version="1.0" encoding="utf-8"?>
+<ds:datastoreItem xmlns:ds="http://schemas.openxmlformats.org/officeDocument/2006/customXml" ds:itemID="{42BC90D6-94CF-42F7-AAC4-9CF6824C54D5}">
+  <ds:schemaRefs>
+    <ds:schemaRef ds:uri="http://schemas.microsoft.com/sharepoint/v3/contenttype/forms"/>
+  </ds:schemaRefs>
+</ds:datastoreItem>
+</file>
+
+<file path=customXml/itemProps2.xml><?xml version="1.0" encoding="utf-8"?>
 <ds:datastoreItem xmlns:ds="http://schemas.openxmlformats.org/officeDocument/2006/customXml" ds:itemID="{64CF2EF3-001F-4BE9-81B3-86ECBBF9425F}">
   <ds:schemaRefs>
     <ds:schemaRef ds:uri="http://schemas.microsoft.com/office/2006/metadata/contentType"/>
@@ -26963,14 +27751,6 @@
     <ds:schemaRef ds:uri="http://purl.org/dc/elements/1.1/"/>
     <ds:schemaRef ds:uri="http://purl.org/dc/terms/"/>
     <ds:schemaRef ds:uri="http://schemas.microsoft.com/internal/obd"/>
-  </ds:schemaRefs>
-</ds:datastoreItem>
-</file>
-
-<file path=customXml/itemProps2.xml><?xml version="1.0" encoding="utf-8"?>
-<ds:datastoreItem xmlns:ds="http://schemas.openxmlformats.org/officeDocument/2006/customXml" ds:itemID="{42BC90D6-94CF-42F7-AAC4-9CF6824C54D5}">
-  <ds:schemaRefs>
-    <ds:schemaRef ds:uri="http://schemas.microsoft.com/sharepoint/v3/contenttype/forms"/>
   </ds:schemaRefs>
 </ds:datastoreItem>
 </file>

--- a/presentaciones/Presentacion_Semana3.pptx
+++ b/presentaciones/Presentacion_Semana3.pptx
@@ -24372,7 +24372,7 @@
         </p:spPr>
         <p:txBody>
           <a:bodyPr rtlCol="0">
-            <a:normAutofit fontScale="92500" lnSpcReduction="10000"/>
+            <a:normAutofit/>
           </a:bodyPr>
           <a:lstStyle/>
           <a:p>
@@ -24380,13 +24380,6 @@
             <a:r>
               <a:rPr lang="es-ES" sz="1800" noProof="1"/>
               <a:t>Elaboramos regresiones lineales para cada estado con el objetivo de crear una herramienta a disposición de los usuarios que ayude a aproximar cual será el costo de envío de acuerdo a las dimensiones y el peso del artículo que desean comprar</a:t>
-            </a:r>
-          </a:p>
-          <a:p>
-            <a:pPr rtl="0"/>
-            <a:r>
-              <a:rPr lang="es-ES" sz="1800" noProof="1"/>
-              <a:t>(SERVIRIA TAMBIEN PARA QUE LSO VENDEDORES SEPAN SI LES ESTÁN COBRANDO ALGO JUSTO?)</a:t>
             </a:r>
           </a:p>
         </p:txBody>
@@ -27423,15 +27416,6 @@
 </file>
 
 <file path=customXml/item1.xml><?xml version="1.0" encoding="utf-8"?>
-<?mso-contentType ?>
-<FormTemplates xmlns="http://schemas.microsoft.com/sharepoint/v3/contenttype/forms">
-  <Display>DocumentLibraryForm</Display>
-  <Edit>DocumentLibraryForm</Edit>
-  <New>DocumentLibraryForm</New>
-</FormTemplates>
-</file>
-
-<file path=customXml/item2.xml><?xml version="1.0" encoding="utf-8"?>
 <ct:contentTypeSchema xmlns:ct="http://schemas.microsoft.com/office/2006/metadata/contentType" xmlns:ma="http://schemas.microsoft.com/office/2006/metadata/properties/metaAttributes" ct:_="" ma:_="" ma:contentTypeName="Document" ma:contentTypeID="0x01010079F111ED35F8CC479449609E8A0923A6" ma:contentTypeVersion="20" ma:contentTypeDescription="Create a new document." ma:contentTypeScope="" ma:versionID="1267097ee5f5874adfcc408041ae252e">
   <xsd:schema xmlns:xsd="http://www.w3.org/2001/XMLSchema" xmlns:xs="http://www.w3.org/2001/XMLSchema" xmlns:p="http://schemas.microsoft.com/office/2006/metadata/properties" xmlns:ns1="http://schemas.microsoft.com/sharepoint/v3" xmlns:ns2="71af3243-3dd4-4a8d-8c0d-dd76da1f02a5" xmlns:ns3="16c05727-aa75-4e4a-9b5f-8a80a1165891" xmlns:ns4="230e9df3-be65-4c73-a93b-d1236ebd677e" targetNamespace="http://schemas.microsoft.com/office/2006/metadata/properties" ma:root="true" ma:fieldsID="395891a93df65b14727750f2c06c306c" ns1:_="" ns2:_="" ns3:_="" ns4:_="">
     <xsd:import namespace="http://schemas.microsoft.com/sharepoint/v3"/>
@@ -27707,6 +27691,15 @@
 </ct:contentTypeSchema>
 </file>
 
+<file path=customXml/item2.xml><?xml version="1.0" encoding="utf-8"?>
+<?mso-contentType ?>
+<FormTemplates xmlns="http://schemas.microsoft.com/sharepoint/v3/contenttype/forms">
+  <Display>DocumentLibraryForm</Display>
+  <Edit>DocumentLibraryForm</Edit>
+  <New>DocumentLibraryForm</New>
+</FormTemplates>
+</file>
+
 <file path=customXml/item3.xml><?xml version="1.0" encoding="utf-8"?>
 <p:properties xmlns:p="http://schemas.microsoft.com/office/2006/metadata/properties" xmlns:xsi="http://www.w3.org/2001/XMLSchema-instance" xmlns:pc="http://schemas.microsoft.com/office/infopath/2007/PartnerControls">
   <documentManagement>
@@ -27727,14 +27720,6 @@
 </file>
 
 <file path=customXml/itemProps1.xml><?xml version="1.0" encoding="utf-8"?>
-<ds:datastoreItem xmlns:ds="http://schemas.openxmlformats.org/officeDocument/2006/customXml" ds:itemID="{42BC90D6-94CF-42F7-AAC4-9CF6824C54D5}">
-  <ds:schemaRefs>
-    <ds:schemaRef ds:uri="http://schemas.microsoft.com/sharepoint/v3/contenttype/forms"/>
-  </ds:schemaRefs>
-</ds:datastoreItem>
-</file>
-
-<file path=customXml/itemProps2.xml><?xml version="1.0" encoding="utf-8"?>
 <ds:datastoreItem xmlns:ds="http://schemas.openxmlformats.org/officeDocument/2006/customXml" ds:itemID="{64CF2EF3-001F-4BE9-81B3-86ECBBF9425F}">
   <ds:schemaRefs>
     <ds:schemaRef ds:uri="http://schemas.microsoft.com/office/2006/metadata/contentType"/>
@@ -27751,6 +27736,14 @@
     <ds:schemaRef ds:uri="http://purl.org/dc/elements/1.1/"/>
     <ds:schemaRef ds:uri="http://purl.org/dc/terms/"/>
     <ds:schemaRef ds:uri="http://schemas.microsoft.com/internal/obd"/>
+  </ds:schemaRefs>
+</ds:datastoreItem>
+</file>
+
+<file path=customXml/itemProps2.xml><?xml version="1.0" encoding="utf-8"?>
+<ds:datastoreItem xmlns:ds="http://schemas.openxmlformats.org/officeDocument/2006/customXml" ds:itemID="{42BC90D6-94CF-42F7-AAC4-9CF6824C54D5}">
+  <ds:schemaRefs>
+    <ds:schemaRef ds:uri="http://schemas.microsoft.com/sharepoint/v3/contenttype/forms"/>
   </ds:schemaRefs>
 </ds:datastoreItem>
 </file>
